--- a/vim/fig/fig.pptx
+++ b/vim/fig/fig.pptx
@@ -1647,14 +1647,11 @@
           <a:lstStyle/>
           <a:p>
             <a:r>
-              <a:rPr lang="en-US" dirty="0" err="1">
+              <a:rPr lang="en-US" dirty="0">
                 <a:latin typeface="Consolas" panose="020B0609020204030204" pitchFamily="49" charset="0"/>
               </a:rPr>
               <a:t>i</a:t>
             </a:r>
-            <a:endParaRPr lang="en-US" dirty="0">
-              <a:latin typeface="Consolas" panose="020B0609020204030204" pitchFamily="49" charset="0"/>
-            </a:endParaRPr>
           </a:p>
         </p:txBody>
       </p:sp>
@@ -1684,7 +1681,7 @@
               <a:lumOff val="80000"/>
             </a:schemeClr>
           </a:solidFill>
-          <a:ln>
+          <a:ln w="38100">
             <a:solidFill>
               <a:srgbClr val="FF0000"/>
             </a:solidFill>
@@ -1697,7 +1694,7 @@
           <a:lstStyle/>
           <a:p>
             <a:r>
-              <a:rPr lang="en-US">
+              <a:rPr lang="en-US" dirty="0">
                 <a:latin typeface="Consolas" panose="020B0609020204030204" pitchFamily="49" charset="0"/>
               </a:rPr>
               <a:t>ESC</a:t>
@@ -1719,7 +1716,7 @@
         </p:nvSpPr>
         <p:spPr>
           <a:xfrm>
-            <a:off x="5940152" y="4581128"/>
+            <a:off x="5948541" y="4623073"/>
             <a:ext cx="564578" cy="369332"/>
           </a:xfrm>
           <a:prstGeom prst="rect">
@@ -1731,7 +1728,7 @@
               <a:lumOff val="80000"/>
             </a:schemeClr>
           </a:solidFill>
-          <a:ln>
+          <a:ln w="38100">
             <a:solidFill>
               <a:srgbClr val="FF0000"/>
             </a:solidFill>
@@ -1744,7 +1741,7 @@
           <a:lstStyle/>
           <a:p>
             <a:r>
-              <a:rPr lang="en-US">
+              <a:rPr lang="en-US" dirty="0">
                 <a:latin typeface="Consolas" panose="020B0609020204030204" pitchFamily="49" charset="0"/>
               </a:rPr>
               <a:t>ESC</a:t>
@@ -1766,7 +1763,7 @@
         </p:nvSpPr>
         <p:spPr>
           <a:xfrm>
-            <a:off x="2699792" y="4643844"/>
+            <a:off x="2674626" y="4601899"/>
             <a:ext cx="564578" cy="369332"/>
           </a:xfrm>
           <a:prstGeom prst="rect">
@@ -1778,7 +1775,7 @@
               <a:lumOff val="80000"/>
             </a:schemeClr>
           </a:solidFill>
-          <a:ln>
+          <a:ln w="38100">
             <a:solidFill>
               <a:srgbClr val="FF0000"/>
             </a:solidFill>
